--- a/MajorProject_SwarnavDas.pptx
+++ b/MajorProject_SwarnavDas.pptx
@@ -129,10 +129,48 @@
 <file path=ppt/revisionInfo.xml><?xml version="1.0" encoding="utf-8"?>
 <p1510:revInfo xmlns:a="http://schemas.openxmlformats.org/drawingml/2006/main" xmlns:r="http://schemas.openxmlformats.org/officeDocument/2006/relationships" xmlns:p1510="http://schemas.microsoft.com/office/powerpoint/2015/10/main">
   <p1510:revLst>
+    <p1510:client id="{64B08A0A-A5D9-49A1-B379-08C52486AB29}" v="1" dt="2025-08-04T16:48:44.790"/>
     <p1510:client id="{E1169C4B-35AF-43FE-AEE2-4D260FA0E8F6}" v="20" dt="2025-08-04T09:52:57.181"/>
     <p1510:client id="{FBC12C3A-A822-4274-AFD2-9E299C05F2A1}" v="211" dt="2025-08-03T19:29:13.333"/>
   </p1510:revLst>
 </p1510:revInfo>
+</file>
+
+<file path=ppt/changesInfos/changesInfo1.xml><?xml version="1.0" encoding="utf-8"?>
+<pc:chgInfo xmlns:a="http://schemas.openxmlformats.org/drawingml/2006/main" xmlns:r="http://schemas.openxmlformats.org/officeDocument/2006/relationships" xmlns:ac="http://schemas.microsoft.com/office/drawing/2013/main/command" xmlns:pc="http://schemas.microsoft.com/office/powerpoint/2013/main/command">
+  <pc:docChgLst>
+    <pc:chgData name="Ronit Das" userId="7ace505130e49588" providerId="LiveId" clId="{64B08A0A-A5D9-49A1-B379-08C52486AB29}"/>
+    <pc:docChg chg="modSld">
+      <pc:chgData name="Ronit Das" userId="7ace505130e49588" providerId="LiveId" clId="{64B08A0A-A5D9-49A1-B379-08C52486AB29}" dt="2025-08-04T16:50:32.555" v="12" actId="207"/>
+      <pc:docMkLst>
+        <pc:docMk/>
+      </pc:docMkLst>
+      <pc:sldChg chg="addSp modSp mod">
+        <pc:chgData name="Ronit Das" userId="7ace505130e49588" providerId="LiveId" clId="{64B08A0A-A5D9-49A1-B379-08C52486AB29}" dt="2025-08-04T16:50:32.555" v="12" actId="207"/>
+        <pc:sldMkLst>
+          <pc:docMk/>
+          <pc:sldMk cId="3197018055" sldId="279"/>
+        </pc:sldMkLst>
+        <pc:spChg chg="add mod">
+          <ac:chgData name="Ronit Das" userId="7ace505130e49588" providerId="LiveId" clId="{64B08A0A-A5D9-49A1-B379-08C52486AB29}" dt="2025-08-04T16:50:32.555" v="12" actId="207"/>
+          <ac:spMkLst>
+            <pc:docMk/>
+            <pc:sldMk cId="3197018055" sldId="279"/>
+            <ac:spMk id="2" creationId="{0F5DF24B-C7B2-7612-CC85-84A913F9AE65}"/>
+          </ac:spMkLst>
+        </pc:spChg>
+        <pc:spChg chg="mod">
+          <ac:chgData name="Ronit Das" userId="7ace505130e49588" providerId="LiveId" clId="{64B08A0A-A5D9-49A1-B379-08C52486AB29}" dt="2025-08-04T16:49:54.596" v="10" actId="20577"/>
+          <ac:spMkLst>
+            <pc:docMk/>
+            <pc:sldMk cId="3197018055" sldId="279"/>
+            <ac:spMk id="3" creationId="{DAFE4BD5-5F76-BA44-26F4-8B026A9E69E8}"/>
+          </ac:spMkLst>
+        </pc:spChg>
+      </pc:sldChg>
+    </pc:docChg>
+  </pc:docChgLst>
+</pc:chgInfo>
 </file>
 
 <file path=ppt/charts/chart1.xml><?xml version="1.0" encoding="utf-8"?>
@@ -10076,11 +10114,80 @@
               <a:rPr lang="en-US" sz="9600" dirty="0">
                 <a:latin typeface="Bell MT" panose="02020503060305020303" pitchFamily="18" charset="0"/>
               </a:rPr>
-              <a:t>              You ...</a:t>
+              <a:t>             You ...</a:t>
             </a:r>
             <a:endParaRPr lang="en-IN" sz="9600" dirty="0">
               <a:latin typeface="Bell MT" panose="02020503060305020303" pitchFamily="18" charset="0"/>
             </a:endParaRPr>
+          </a:p>
+        </p:txBody>
+      </p:sp>
+      <p:sp>
+        <p:nvSpPr>
+          <p:cNvPr id="2" name="Thought Bubble: Cloud 1">
+            <a:extLst>
+              <a:ext uri="{FF2B5EF4-FFF2-40B4-BE49-F238E27FC236}">
+                <a16:creationId xmlns:a16="http://schemas.microsoft.com/office/drawing/2014/main" id="{0F5DF24B-C7B2-7612-CC85-84A913F9AE65}"/>
+              </a:ext>
+            </a:extLst>
+          </p:cNvPr>
+          <p:cNvSpPr/>
+          <p:nvPr/>
+        </p:nvSpPr>
+        <p:spPr>
+          <a:xfrm>
+            <a:off x="8131278" y="1513104"/>
+            <a:ext cx="2571135" cy="1737852"/>
+          </a:xfrm>
+          <a:prstGeom prst="cloudCallout">
+            <a:avLst>
+              <a:gd name="adj1" fmla="val -38424"/>
+              <a:gd name="adj2" fmla="val 80039"/>
+            </a:avLst>
+          </a:prstGeom>
+          <a:solidFill>
+            <a:schemeClr val="bg1">
+              <a:lumMod val="95000"/>
+            </a:schemeClr>
+          </a:solidFill>
+          <a:ln>
+            <a:solidFill>
+              <a:srgbClr val="800000"/>
+            </a:solidFill>
+          </a:ln>
+        </p:spPr>
+        <p:style>
+          <a:lnRef idx="2">
+            <a:schemeClr val="accent6"/>
+          </a:lnRef>
+          <a:fillRef idx="1">
+            <a:schemeClr val="lt1"/>
+          </a:fillRef>
+          <a:effectRef idx="0">
+            <a:schemeClr val="accent6"/>
+          </a:effectRef>
+          <a:fontRef idx="minor">
+            <a:schemeClr val="dk1"/>
+          </a:fontRef>
+        </p:style>
+        <p:txBody>
+          <a:bodyPr rtlCol="0" anchor="ctr"/>
+          <a:lstStyle/>
+          <a:p>
+            <a:pPr algn="ctr"/>
+            <a:r>
+              <a:rPr lang="hi-IN" dirty="0"/>
+              <a:t>जागृतं श्रेयः, </a:t>
+            </a:r>
+            <a:endParaRPr lang="en-US" dirty="0"/>
+          </a:p>
+          <a:p>
+            <a:pPr algn="ctr"/>
+            <a:r>
+              <a:rPr lang="hi-IN" dirty="0"/>
+              <a:t>न तु पराजयः।</a:t>
+            </a:r>
+            <a:endParaRPr lang="en-IN" dirty="0"/>
           </a:p>
         </p:txBody>
       </p:sp>
